--- a/Internal.pptx
+++ b/Internal.pptx
@@ -133,10 +133,7 @@
 <file path=ppt/revisionInfo.xml><?xml version="1.0" encoding="utf-8"?>
 <p1510:revInfo xmlns:a="http://schemas.openxmlformats.org/drawingml/2006/main" xmlns:r="http://schemas.openxmlformats.org/officeDocument/2006/relationships" xmlns:p1510="http://schemas.microsoft.com/office/powerpoint/2015/10/main">
   <p1510:revLst>
-    <p1510:client id="{0CBBDA4D-2829-58A6-3B5A-340E3D36B6F1}" v="20" dt="2025-08-23T11:59:28.786"/>
-    <p1510:client id="{1C223135-B735-1A38-481D-F993975934D1}" v="311" dt="2025-08-23T11:44:48.073"/>
-    <p1510:client id="{5D1399DA-6239-AB8A-02A9-F0A448F8B062}" v="143" dt="2025-08-23T16:50:12.221"/>
-    <p1510:client id="{6DCD40AF-232A-E09D-EE98-DB0F81C8720B}" v="231" dt="2025-08-24T02:22:04.599"/>
+    <p1510:client id="{D1D8038D-1C01-264B-9C93-450E7E343271}" v="43" dt="2025-08-31T15:07:07.126"/>
   </p1510:revLst>
 </p1510:revInfo>
 </file>
@@ -272,7 +269,7 @@
           <a:p>
             <a:fld id="{846CE7D5-CF57-46EF-B807-FDD0502418D4}" type="datetimeFigureOut">
               <a:rPr lang="en-US" smtClean="0"/>
-              <a:t>8/23/2025</a:t>
+              <a:t>8/31/2025</a:t>
             </a:fld>
             <a:endParaRPr lang="en-US"/>
           </a:p>
@@ -442,7 +439,7 @@
           <a:p>
             <a:fld id="{846CE7D5-CF57-46EF-B807-FDD0502418D4}" type="datetimeFigureOut">
               <a:rPr lang="en-US" smtClean="0"/>
-              <a:t>8/23/2025</a:t>
+              <a:t>8/31/2025</a:t>
             </a:fld>
             <a:endParaRPr lang="en-US"/>
           </a:p>
@@ -622,7 +619,7 @@
           <a:p>
             <a:fld id="{846CE7D5-CF57-46EF-B807-FDD0502418D4}" type="datetimeFigureOut">
               <a:rPr lang="en-US" smtClean="0"/>
-              <a:t>8/23/2025</a:t>
+              <a:t>8/31/2025</a:t>
             </a:fld>
             <a:endParaRPr lang="en-US"/>
           </a:p>
@@ -792,7 +789,7 @@
           <a:p>
             <a:fld id="{846CE7D5-CF57-46EF-B807-FDD0502418D4}" type="datetimeFigureOut">
               <a:rPr lang="en-US" smtClean="0"/>
-              <a:t>8/23/2025</a:t>
+              <a:t>8/31/2025</a:t>
             </a:fld>
             <a:endParaRPr lang="en-US"/>
           </a:p>
@@ -1038,7 +1035,7 @@
           <a:p>
             <a:fld id="{846CE7D5-CF57-46EF-B807-FDD0502418D4}" type="datetimeFigureOut">
               <a:rPr lang="en-US" smtClean="0"/>
-              <a:t>8/23/2025</a:t>
+              <a:t>8/31/2025</a:t>
             </a:fld>
             <a:endParaRPr lang="en-US"/>
           </a:p>
@@ -1270,7 +1267,7 @@
           <a:p>
             <a:fld id="{846CE7D5-CF57-46EF-B807-FDD0502418D4}" type="datetimeFigureOut">
               <a:rPr lang="en-US" smtClean="0"/>
-              <a:t>8/23/2025</a:t>
+              <a:t>8/31/2025</a:t>
             </a:fld>
             <a:endParaRPr lang="en-US"/>
           </a:p>
@@ -1637,7 +1634,7 @@
           <a:p>
             <a:fld id="{846CE7D5-CF57-46EF-B807-FDD0502418D4}" type="datetimeFigureOut">
               <a:rPr lang="en-US" smtClean="0"/>
-              <a:t>8/23/2025</a:t>
+              <a:t>8/31/2025</a:t>
             </a:fld>
             <a:endParaRPr lang="en-US"/>
           </a:p>
@@ -1755,7 +1752,7 @@
           <a:p>
             <a:fld id="{846CE7D5-CF57-46EF-B807-FDD0502418D4}" type="datetimeFigureOut">
               <a:rPr lang="en-US" smtClean="0"/>
-              <a:t>8/23/2025</a:t>
+              <a:t>8/31/2025</a:t>
             </a:fld>
             <a:endParaRPr lang="en-US"/>
           </a:p>
@@ -1850,7 +1847,7 @@
           <a:p>
             <a:fld id="{846CE7D5-CF57-46EF-B807-FDD0502418D4}" type="datetimeFigureOut">
               <a:rPr lang="en-US" smtClean="0"/>
-              <a:t>8/23/2025</a:t>
+              <a:t>8/31/2025</a:t>
             </a:fld>
             <a:endParaRPr lang="en-US"/>
           </a:p>
@@ -2127,7 +2124,7 @@
           <a:p>
             <a:fld id="{846CE7D5-CF57-46EF-B807-FDD0502418D4}" type="datetimeFigureOut">
               <a:rPr lang="en-US" smtClean="0"/>
-              <a:t>8/23/2025</a:t>
+              <a:t>8/31/2025</a:t>
             </a:fld>
             <a:endParaRPr lang="en-US"/>
           </a:p>
@@ -2384,7 +2381,7 @@
           <a:p>
             <a:fld id="{846CE7D5-CF57-46EF-B807-FDD0502418D4}" type="datetimeFigureOut">
               <a:rPr lang="en-US" smtClean="0"/>
-              <a:t>8/23/2025</a:t>
+              <a:t>8/31/2025</a:t>
             </a:fld>
             <a:endParaRPr lang="en-US"/>
           </a:p>
@@ -2597,7 +2594,7 @@
           <a:p>
             <a:fld id="{846CE7D5-CF57-46EF-B807-FDD0502418D4}" type="datetimeFigureOut">
               <a:rPr lang="en-US" smtClean="0"/>
-              <a:t>8/23/2025</a:t>
+              <a:t>8/31/2025</a:t>
             </a:fld>
             <a:endParaRPr lang="en-US"/>
           </a:p>
@@ -7248,18 +7245,8 @@
                 <a:latin typeface="Segoe UI"/>
                 <a:cs typeface="Segoe UI"/>
               </a:rPr>
-              <a:t>Problem Statement</a:t>
-            </a:r>
-            <a:endParaRPr lang="en-IN" sz="4000" dirty="0">
-              <a:solidFill>
-                <a:schemeClr val="tx2">
-                  <a:lumMod val="49000"/>
-                  <a:lumOff val="51000"/>
-                </a:schemeClr>
-              </a:solidFill>
-              <a:latin typeface="Segoe UI"/>
-              <a:cs typeface="Segoe UI"/>
-            </a:endParaRPr>
+              <a:t>Existing System</a:t>
+            </a:r>
           </a:p>
         </p:txBody>
       </p:sp>
@@ -7504,7 +7491,7 @@
                 <a:latin typeface="Segoe UI"/>
                 <a:cs typeface="Segoe UI"/>
               </a:rPr>
-              <a:t>Solution Overview</a:t>
+              <a:t>Proposed System</a:t>
             </a:r>
           </a:p>
         </p:txBody>
